--- a/print/python2_12_1.pptx
+++ b/print/python2_12_1.pptx
@@ -14,6 +14,7 @@
     <p:sldId id="259" r:id="rId11"/>
     <p:sldId id="260" r:id="rId12"/>
     <p:sldId id="261" r:id="rId13"/>
+    <p:sldId id="262" r:id="rId14"/>
   </p:sldIdLst>
   <p:sldSz cx="9144000" cy="5143500"/>
   <p:notesSz cx="6858000" cy="9144000"/>
@@ -591,7 +592,7 @@
       </p:grpSpPr>
       <p:sp>
         <p:nvSpPr>
-          <p:cNvPr id="222" name="Shape 222"/>
+          <p:cNvPr id="230" name="Shape 230"/>
           <p:cNvSpPr/>
           <p:nvPr>
             <p:ph type="sldImg"/>
@@ -612,7 +613,7 @@
       </p:sp>
       <p:sp>
         <p:nvSpPr>
-          <p:cNvPr id="223" name="Shape 223"/>
+          <p:cNvPr id="231" name="Shape 231"/>
           <p:cNvSpPr/>
           <p:nvPr>
             <p:ph type="body" sz="quarter" idx="1"/>
@@ -7275,7 +7276,487 @@
         </p:sp>
         <p:sp>
           <p:nvSpPr>
-            <p:cNvPr id="215" name="Work day"/>
+            <p:cNvPr id="215" name="ASSIGNED SEATS!!!!"/>
+            <p:cNvSpPr txBox="1"/>
+            <p:nvPr/>
+          </p:nvSpPr>
+          <p:spPr>
+            <a:xfrm>
+              <a:off x="12134" y="12134"/>
+              <a:ext cx="6219935" cy="750243"/>
+            </a:xfrm>
+            <a:prstGeom prst="rect">
+              <a:avLst/>
+            </a:prstGeom>
+            <a:noFill/>
+            <a:ln w="12700" cap="flat">
+              <a:noFill/>
+              <a:miter lim="400000"/>
+            </a:ln>
+            <a:effectLst/>
+            <a:extLst>
+              <a:ext uri="{C572A759-6A51-4108-AA02-DFA0A04FC94B}">
+                <ma14:wrappingTextBoxFlag xmlns:ma14="http://schemas.microsoft.com/office/mac/drawingml/2011/main" val="1"/>
+              </a:ext>
+            </a:extLst>
+          </p:spPr>
+          <p:txBody>
+            <a:bodyPr wrap="square" lIns="91422" tIns="91422" rIns="91422" bIns="91422" numCol="1" anchor="t">
+              <a:normAutofit fontScale="100000" lnSpcReduction="0"/>
+            </a:bodyPr>
+            <a:lstStyle>
+              <a:lvl1pPr defTabSz="713231">
+                <a:defRPr sz="1871"/>
+              </a:lvl1pPr>
+            </a:lstStyle>
+            <a:p>
+              <a:pPr/>
+              <a:r>
+                <a:t>ASSIGNED SEATS!!!!</a:t>
+              </a:r>
+            </a:p>
+          </p:txBody>
+        </p:sp>
+      </p:grpSp>
+      <p:sp>
+        <p:nvSpPr>
+          <p:cNvPr id="217" name="be sure to:"/>
+          <p:cNvSpPr txBox="1"/>
+          <p:nvPr/>
+        </p:nvSpPr>
+        <p:spPr>
+          <a:xfrm>
+            <a:off x="630543" y="1273037"/>
+            <a:ext cx="1212876" cy="304801"/>
+          </a:xfrm>
+          <a:prstGeom prst="rect">
+            <a:avLst/>
+          </a:prstGeom>
+          <a:ln w="12700">
+            <a:miter lim="400000"/>
+          </a:ln>
+          <a:extLst>
+            <a:ext uri="{C572A759-6A51-4108-AA02-DFA0A04FC94B}">
+              <ma14:wrappingTextBoxFlag xmlns:ma14="http://schemas.microsoft.com/office/mac/drawingml/2011/main" val="1"/>
+            </a:ext>
+          </a:extLst>
+        </p:spPr>
+        <p:txBody>
+          <a:bodyPr wrap="none" lIns="0" tIns="0" rIns="0" bIns="0">
+            <a:spAutoFit/>
+          </a:bodyPr>
+          <a:lstStyle>
+            <a:lvl1pPr>
+              <a:defRPr sz="2000">
+                <a:solidFill>
+                  <a:schemeClr val="accent5"/>
+                </a:solidFill>
+                <a:latin typeface="+mn-lt"/>
+                <a:ea typeface="+mn-ea"/>
+                <a:cs typeface="+mn-cs"/>
+                <a:sym typeface="Helvetica"/>
+              </a:defRPr>
+            </a:lvl1pPr>
+          </a:lstStyle>
+          <a:p>
+            <a:pPr/>
+            <a:r>
+              <a:t>be sure to:</a:t>
+            </a:r>
+          </a:p>
+        </p:txBody>
+      </p:sp>
+      <p:sp>
+        <p:nvSpPr>
+          <p:cNvPr id="218" name="Google Shape;82;p14"/>
+          <p:cNvSpPr txBox="1"/>
+          <p:nvPr/>
+        </p:nvSpPr>
+        <p:spPr>
+          <a:xfrm>
+            <a:off x="532198" y="1609174"/>
+            <a:ext cx="2990678" cy="1490052"/>
+          </a:xfrm>
+          <a:prstGeom prst="rect">
+            <a:avLst/>
+          </a:prstGeom>
+          <a:ln w="12700">
+            <a:miter lim="400000"/>
+          </a:ln>
+          <a:extLst>
+            <a:ext uri="{C572A759-6A51-4108-AA02-DFA0A04FC94B}">
+              <ma14:wrappingTextBoxFlag xmlns:ma14="http://schemas.microsoft.com/office/mac/drawingml/2011/main" val="1"/>
+            </a:ext>
+          </a:extLst>
+        </p:spPr>
+        <p:txBody>
+          <a:bodyPr lIns="91423" tIns="91423" rIns="91423" bIns="91423">
+            <a:normAutofit fontScale="100000" lnSpcReduction="0"/>
+          </a:bodyPr>
+          <a:lstStyle/>
+          <a:p>
+            <a:pPr marL="246647" indent="-246647" defTabSz="749808">
+              <a:lnSpc>
+                <a:spcPct val="115000"/>
+              </a:lnSpc>
+              <a:buSzPct val="100000"/>
+              <a:buAutoNum type="alphaUcPeriod" startAt="1"/>
+              <a:defRPr b="1">
+                <a:solidFill>
+                  <a:srgbClr val="000000"/>
+                </a:solidFill>
+                <a:latin typeface="Lato"/>
+                <a:ea typeface="Lato"/>
+                <a:cs typeface="Lato"/>
+                <a:sym typeface="Lato"/>
+              </a:defRPr>
+            </a:pPr>
+            <a:r>
+              <a:t>Sit where Dr. O’Brien asks you to.</a:t>
+            </a:r>
+          </a:p>
+          <a:p>
+            <a:pPr marL="246647" indent="-246647" defTabSz="749808">
+              <a:lnSpc>
+                <a:spcPct val="115000"/>
+              </a:lnSpc>
+              <a:buSzPct val="100000"/>
+              <a:buAutoNum type="alphaUcPeriod" startAt="1"/>
+              <a:defRPr b="1">
+                <a:solidFill>
+                  <a:srgbClr val="000000"/>
+                </a:solidFill>
+                <a:latin typeface="Lato"/>
+                <a:ea typeface="Lato"/>
+                <a:cs typeface="Lato"/>
+                <a:sym typeface="Lato"/>
+              </a:defRPr>
+            </a:pPr>
+            <a:r>
+              <a:t>No seat changes today.</a:t>
+            </a:r>
+          </a:p>
+        </p:txBody>
+      </p:sp>
+      <p:sp>
+        <p:nvSpPr>
+          <p:cNvPr id="219" name="be sure to:"/>
+          <p:cNvSpPr txBox="1"/>
+          <p:nvPr/>
+        </p:nvSpPr>
+        <p:spPr>
+          <a:xfrm>
+            <a:off x="630543" y="1273037"/>
+            <a:ext cx="1212876" cy="304801"/>
+          </a:xfrm>
+          <a:prstGeom prst="rect">
+            <a:avLst/>
+          </a:prstGeom>
+          <a:ln w="12700">
+            <a:miter lim="400000"/>
+          </a:ln>
+          <a:extLst>
+            <a:ext uri="{C572A759-6A51-4108-AA02-DFA0A04FC94B}">
+              <ma14:wrappingTextBoxFlag xmlns:ma14="http://schemas.microsoft.com/office/mac/drawingml/2011/main" val="1"/>
+            </a:ext>
+          </a:extLst>
+        </p:spPr>
+        <p:txBody>
+          <a:bodyPr wrap="none" lIns="0" tIns="0" rIns="0" bIns="0">
+            <a:spAutoFit/>
+          </a:bodyPr>
+          <a:lstStyle>
+            <a:lvl1pPr>
+              <a:defRPr sz="2000">
+                <a:solidFill>
+                  <a:schemeClr val="accent5"/>
+                </a:solidFill>
+                <a:latin typeface="+mn-lt"/>
+                <a:ea typeface="+mn-ea"/>
+                <a:cs typeface="+mn-cs"/>
+                <a:sym typeface="Helvetica"/>
+              </a:defRPr>
+            </a:lvl1pPr>
+          </a:lstStyle>
+          <a:p>
+            <a:pPr/>
+            <a:r>
+              <a:t>be sure to:</a:t>
+            </a:r>
+          </a:p>
+        </p:txBody>
+      </p:sp>
+    </p:spTree>
+  </p:cSld>
+  <p:clrMapOvr>
+    <a:masterClrMapping/>
+  </p:clrMapOvr>
+  <p:transition xmlns:p14="http://schemas.microsoft.com/office/powerpoint/2010/main" spd="med" advClick="1"/>
+  <p:timing>
+    <p:tnLst>
+      <p:par>
+        <p:cTn id="1" nodeType="tmRoot" restart="never" dur="indefinite" fill="hold">
+          <p:childTnLst>
+            <p:seq concurrent="1" prevAc="none" nextAc="seek">
+              <p:cTn id="2" nodeType="mainSeq" dur="indefinite" fill="hold">
+                <p:childTnLst>
+                  <p:par>
+                    <p:cTn id="3" fill="hold">
+                      <p:stCondLst>
+                        <p:cond delay="indefinite"/>
+                      </p:stCondLst>
+                      <p:childTnLst>
+                        <p:par>
+                          <p:cTn id="4" fill="hold">
+                            <p:stCondLst>
+                              <p:cond delay="0"/>
+                            </p:stCondLst>
+                            <p:childTnLst>
+                              <p:par>
+                                <p:cTn id="5" presetClass="entr" nodeType="clickEffect" presetSubtype="0" presetID="1" grpId="1" fill="hold">
+                                  <p:stCondLst>
+                                    <p:cond delay="0"/>
+                                  </p:stCondLst>
+                                  <p:iterate type="el" backwards="0">
+                                    <p:tmAbs val="0"/>
+                                  </p:iterate>
+                                  <p:childTnLst>
+                                    <p:set>
+                                      <p:cBhvr>
+                                        <p:cTn id="6" fill="hold"/>
+                                        <p:tgtEl>
+                                          <p:spTgt spid="218">
+                                            <p:bg/>
+                                          </p:spTgt>
+                                        </p:tgtEl>
+                                        <p:attrNameLst>
+                                          <p:attrName>style.visibility</p:attrName>
+                                        </p:attrNameLst>
+                                      </p:cBhvr>
+                                      <p:to>
+                                        <p:strVal val="visible"/>
+                                      </p:to>
+                                    </p:set>
+                                  </p:childTnLst>
+                                </p:cTn>
+                              </p:par>
+                              <p:par>
+                                <p:cTn id="7" presetClass="entr" nodeType="withEffect" presetSubtype="0" presetID="1" grpId="1" fill="hold">
+                                  <p:stCondLst>
+                                    <p:cond delay="0"/>
+                                  </p:stCondLst>
+                                  <p:iterate type="el" backwards="0">
+                                    <p:tmAbs val="0"/>
+                                  </p:iterate>
+                                  <p:childTnLst>
+                                    <p:set>
+                                      <p:cBhvr>
+                                        <p:cTn id="8" fill="hold"/>
+                                        <p:tgtEl>
+                                          <p:spTgt spid="218">
+                                            <p:txEl>
+                                              <p:pRg st="0" end="0"/>
+                                            </p:txEl>
+                                          </p:spTgt>
+                                        </p:tgtEl>
+                                        <p:attrNameLst>
+                                          <p:attrName>style.visibility</p:attrName>
+                                        </p:attrNameLst>
+                                      </p:cBhvr>
+                                      <p:to>
+                                        <p:strVal val="visible"/>
+                                      </p:to>
+                                    </p:set>
+                                  </p:childTnLst>
+                                </p:cTn>
+                              </p:par>
+                            </p:childTnLst>
+                          </p:cTn>
+                        </p:par>
+                      </p:childTnLst>
+                    </p:cTn>
+                  </p:par>
+                  <p:par>
+                    <p:cTn id="9" fill="hold">
+                      <p:stCondLst>
+                        <p:cond delay="indefinite"/>
+                      </p:stCondLst>
+                      <p:childTnLst>
+                        <p:par>
+                          <p:cTn id="10" fill="hold">
+                            <p:stCondLst>
+                              <p:cond delay="0"/>
+                            </p:stCondLst>
+                            <p:childTnLst>
+                              <p:par>
+                                <p:cTn id="11" presetClass="entr" nodeType="clickEffect" presetSubtype="0" presetID="1" grpId="1" fill="hold">
+                                  <p:stCondLst>
+                                    <p:cond delay="0"/>
+                                  </p:stCondLst>
+                                  <p:iterate type="el" backwards="0">
+                                    <p:tmAbs val="0"/>
+                                  </p:iterate>
+                                  <p:childTnLst>
+                                    <p:set>
+                                      <p:cBhvr>
+                                        <p:cTn id="12" fill="hold"/>
+                                        <p:tgtEl>
+                                          <p:spTgt spid="218">
+                                            <p:txEl>
+                                              <p:pRg st="1" end="1"/>
+                                            </p:txEl>
+                                          </p:spTgt>
+                                        </p:tgtEl>
+                                        <p:attrNameLst>
+                                          <p:attrName>style.visibility</p:attrName>
+                                        </p:attrNameLst>
+                                      </p:cBhvr>
+                                      <p:to>
+                                        <p:strVal val="visible"/>
+                                      </p:to>
+                                    </p:set>
+                                  </p:childTnLst>
+                                </p:cTn>
+                              </p:par>
+                            </p:childTnLst>
+                          </p:cTn>
+                        </p:par>
+                      </p:childTnLst>
+                    </p:cTn>
+                  </p:par>
+                </p:childTnLst>
+              </p:cTn>
+              <p:prevCondLst>
+                <p:cond evt="onPrev">
+                  <p:tgtEl>
+                    <p:sldTgt/>
+                  </p:tgtEl>
+                </p:cond>
+              </p:prevCondLst>
+              <p:nextCondLst>
+                <p:cond evt="onNext">
+                  <p:tgtEl>
+                    <p:sldTgt/>
+                  </p:tgtEl>
+                </p:cond>
+              </p:nextCondLst>
+            </p:seq>
+          </p:childTnLst>
+        </p:cTn>
+      </p:par>
+    </p:tnLst>
+    <p:bldLst>
+      <p:bldP build="p" bldLvl="5" animBg="1" rev="0" advAuto="0" spid="218" grpId="1"/>
+    </p:bldLst>
+  </p:timing>
+</p:sld>
+</file>
+
+<file path=ppt/slides/slide5.xml><?xml version="1.0" encoding="utf-8"?>
+<p:sld xmlns:a="http://schemas.openxmlformats.org/drawingml/2006/main" xmlns:r="http://schemas.openxmlformats.org/officeDocument/2006/relationships" xmlns:p="http://schemas.openxmlformats.org/presentationml/2006/main" xmlns:m="http://schemas.openxmlformats.org/officeDocument/2006/math" xmlns:a14="http://schemas.microsoft.com/office/drawing/2010/main" showMasterSp="1" showMasterPhAnim="1">
+  <p:cSld>
+    <p:spTree>
+      <p:nvGrpSpPr>
+        <p:cNvPr id="1" name=""/>
+        <p:cNvGrpSpPr/>
+        <p:nvPr/>
+      </p:nvGrpSpPr>
+      <p:grpSpPr>
+        <a:xfrm>
+          <a:off x="0" y="0"/>
+          <a:ext cx="0" cy="0"/>
+          <a:chOff x="0" y="0"/>
+          <a:chExt cx="0" cy="0"/>
+        </a:xfrm>
+      </p:grpSpPr>
+      <p:sp>
+        <p:nvSpPr>
+          <p:cNvPr id="221" name="Double-click to edit"/>
+          <p:cNvSpPr txBox="1"/>
+          <p:nvPr>
+            <p:ph type="title"/>
+          </p:nvPr>
+        </p:nvSpPr>
+        <p:spPr>
+          <a:prstGeom prst="rect">
+            <a:avLst/>
+          </a:prstGeom>
+        </p:spPr>
+        <p:txBody>
+          <a:bodyPr/>
+          <a:lstStyle/>
+          <a:p>
+            <a:pPr defTabSz="886968">
+              <a:defRPr sz="2910"/>
+            </a:pPr>
+          </a:p>
+        </p:txBody>
+      </p:sp>
+      <p:grpSp>
+        <p:nvGrpSpPr>
+          <p:cNvPr id="224" name="Google Shape;118;p19"/>
+          <p:cNvGrpSpPr/>
+          <p:nvPr/>
+        </p:nvGrpSpPr>
+        <p:grpSpPr>
+          <a:xfrm>
+            <a:off x="2462914" y="468728"/>
+            <a:ext cx="6244204" cy="774511"/>
+            <a:chOff x="0" y="0"/>
+            <a:chExt cx="6244202" cy="774510"/>
+          </a:xfrm>
+        </p:grpSpPr>
+        <p:sp>
+          <p:nvSpPr>
+            <p:cNvPr id="222" name="Rectangle"/>
+            <p:cNvSpPr/>
+            <p:nvPr/>
+          </p:nvSpPr>
+          <p:spPr>
+            <a:xfrm>
+              <a:off x="-1" y="-1"/>
+              <a:ext cx="6244204" cy="774512"/>
+            </a:xfrm>
+            <a:prstGeom prst="rect">
+              <a:avLst/>
+            </a:prstGeom>
+            <a:solidFill>
+              <a:srgbClr val="FFFFFF"/>
+            </a:solidFill>
+            <a:ln w="25400" cap="flat">
+              <a:solidFill>
+                <a:schemeClr val="accent1"/>
+              </a:solidFill>
+              <a:prstDash val="solid"/>
+              <a:round/>
+            </a:ln>
+            <a:effectLst/>
+          </p:spPr>
+          <p:txBody>
+            <a:bodyPr wrap="square" lIns="0" tIns="0" rIns="0" bIns="0" numCol="1" anchor="t">
+              <a:noAutofit/>
+            </a:bodyPr>
+            <a:lstStyle/>
+            <a:p>
+              <a:pPr>
+                <a:defRPr>
+                  <a:solidFill>
+                    <a:schemeClr val="accent3">
+                      <a:lumOff val="-9098"/>
+                    </a:schemeClr>
+                  </a:solidFill>
+                  <a:latin typeface="+mn-lt"/>
+                  <a:ea typeface="+mn-ea"/>
+                  <a:cs typeface="+mn-cs"/>
+                  <a:sym typeface="Helvetica"/>
+                </a:defRPr>
+              </a:pPr>
+            </a:p>
+          </p:txBody>
+        </p:sp>
+        <p:sp>
+          <p:nvSpPr>
+            <p:cNvPr id="223" name="Work day"/>
             <p:cNvSpPr txBox="1"/>
             <p:nvPr/>
           </p:nvSpPr>
@@ -7319,7 +7800,7 @@
       </p:grpSp>
       <p:sp>
         <p:nvSpPr>
-          <p:cNvPr id="217" name="be sure to:"/>
+          <p:cNvPr id="225" name="be sure to:"/>
           <p:cNvSpPr txBox="1"/>
           <p:nvPr/>
         </p:nvSpPr>
@@ -7367,7 +7848,7 @@
       </p:sp>
       <p:sp>
         <p:nvSpPr>
-          <p:cNvPr id="218" name="Weekly Goal:…"/>
+          <p:cNvPr id="226" name="Weekly Goal:…"/>
           <p:cNvSpPr txBox="1"/>
           <p:nvPr/>
         </p:nvSpPr>
@@ -7453,7 +7934,7 @@
       </p:sp>
       <p:sp>
         <p:nvSpPr>
-          <p:cNvPr id="219" name="Google Shape;82;p14"/>
+          <p:cNvPr id="227" name="Google Shape;82;p14"/>
           <p:cNvSpPr txBox="1"/>
           <p:nvPr/>
         </p:nvSpPr>
@@ -7480,13 +7961,13 @@
           </a:bodyPr>
           <a:lstStyle/>
           <a:p>
-            <a:pPr marL="192384" indent="-192384" defTabSz="584850">
+            <a:pPr marL="182518" indent="-182518" defTabSz="554857">
               <a:lnSpc>
                 <a:spcPct val="115000"/>
               </a:lnSpc>
               <a:buSzPct val="100000"/>
               <a:buAutoNum type="alphaUcPeriod" startAt="1"/>
-              <a:defRPr b="1" sz="1092">
+              <a:defRPr b="1" sz="1036">
                 <a:solidFill>
                   <a:srgbClr val="000000"/>
                 </a:solidFill>
@@ -7497,17 +7978,24 @@
               </a:defRPr>
             </a:pPr>
             <a:r>
-              <a:t>Find your seat  </a:t>
-            </a:r>
-          </a:p>
-          <a:p>
-            <a:pPr marL="192384" indent="-192384" defTabSz="584850">
+              <a:t>Find your </a:t>
+            </a:r>
+            <a:r>
+              <a:rPr u="sng"/>
+              <a:t>assigned </a:t>
+            </a:r>
+            <a:r>
+              <a:t>seat  (ask Dr. O’Brien)</a:t>
+            </a:r>
+          </a:p>
+          <a:p>
+            <a:pPr marL="182518" indent="-182518" defTabSz="554857">
               <a:lnSpc>
                 <a:spcPct val="115000"/>
               </a:lnSpc>
               <a:buSzPct val="100000"/>
               <a:buAutoNum type="alphaUcPeriod" startAt="1"/>
-              <a:defRPr b="1" sz="1092">
+              <a:defRPr b="1" sz="1036">
                 <a:solidFill>
                   <a:srgbClr val="000000"/>
                 </a:solidFill>
@@ -7522,13 +8010,13 @@
             </a:r>
           </a:p>
           <a:p>
-            <a:pPr marL="192384" indent="-192384" defTabSz="584850">
+            <a:pPr marL="182518" indent="-182518" defTabSz="554857">
               <a:lnSpc>
                 <a:spcPct val="115000"/>
               </a:lnSpc>
               <a:buSzPct val="100000"/>
               <a:buAutoNum type="alphaUcPeriod" startAt="1"/>
-              <a:defRPr b="1" sz="1092">
+              <a:defRPr b="1" sz="1036">
                 <a:solidFill>
                   <a:srgbClr val="000000"/>
                 </a:solidFill>
@@ -7543,13 +8031,13 @@
             </a:r>
           </a:p>
           <a:p>
-            <a:pPr marL="192384" indent="-192384" defTabSz="584850">
+            <a:pPr marL="182518" indent="-182518" defTabSz="554857">
               <a:lnSpc>
                 <a:spcPct val="115000"/>
               </a:lnSpc>
               <a:buSzPct val="100000"/>
               <a:buAutoNum type="alphaUcPeriod" startAt="1"/>
-              <a:defRPr b="1" sz="1092">
+              <a:defRPr b="1" sz="1036">
                 <a:solidFill>
                   <a:srgbClr val="000000"/>
                 </a:solidFill>
@@ -7567,7 +8055,7 @@
       </p:sp>
       <p:sp>
         <p:nvSpPr>
-          <p:cNvPr id="220" name="be sure to:"/>
+          <p:cNvPr id="228" name="be sure to:"/>
           <p:cNvSpPr txBox="1"/>
           <p:nvPr/>
         </p:nvSpPr>
@@ -7615,7 +8103,7 @@
       </p:sp>
       <p:sp>
         <p:nvSpPr>
-          <p:cNvPr id="221" name="List comprehension…"/>
+          <p:cNvPr id="229" name="List comprehension…"/>
           <p:cNvSpPr txBox="1"/>
           <p:nvPr/>
         </p:nvSpPr>
@@ -7719,7 +8207,7 @@
                                       <p:cBhvr>
                                         <p:cTn id="6" fill="hold"/>
                                         <p:tgtEl>
-                                          <p:spTgt spid="219">
+                                          <p:spTgt spid="227">
                                             <p:bg/>
                                           </p:spTgt>
                                         </p:tgtEl>
@@ -7747,7 +8235,7 @@
                                       <p:cBhvr>
                                         <p:cTn id="8" fill="hold"/>
                                         <p:tgtEl>
-                                          <p:spTgt spid="219">
+                                          <p:spTgt spid="227">
                                             <p:txEl>
                                               <p:pRg st="0" end="0"/>
                                             </p:txEl>
@@ -7786,7 +8274,7 @@
                                       <p:cBhvr>
                                         <p:cTn id="11" fill="hold"/>
                                         <p:tgtEl>
-                                          <p:spTgt spid="219">
+                                          <p:spTgt spid="227">
                                             <p:txEl>
                                               <p:pRg st="1" end="1"/>
                                             </p:txEl>
@@ -7834,7 +8322,7 @@
                                       <p:cBhvr>
                                         <p:cTn id="15" fill="hold"/>
                                         <p:tgtEl>
-                                          <p:spTgt spid="219">
+                                          <p:spTgt spid="227">
                                             <p:txEl>
                                               <p:pRg st="2" end="2"/>
                                             </p:txEl>
@@ -7882,7 +8370,7 @@
                                       <p:cBhvr>
                                         <p:cTn id="19" fill="hold"/>
                                         <p:tgtEl>
-                                          <p:spTgt spid="219">
+                                          <p:spTgt spid="227">
                                             <p:txEl>
                                               <p:pRg st="3" end="3"/>
                                             </p:txEl>
@@ -7930,7 +8418,7 @@
                                       <p:cBhvr>
                                         <p:cTn id="23" fill="hold"/>
                                         <p:tgtEl>
-                                          <p:spTgt spid="221"/>
+                                          <p:spTgt spid="229"/>
                                         </p:tgtEl>
                                         <p:attrNameLst>
                                           <p:attrName>style.visibility</p:attrName>
@@ -7971,14 +8459,14 @@
       </p:par>
     </p:tnLst>
     <p:bldLst>
-      <p:bldP build="whole" bldLvl="1" animBg="1" rev="0" advAuto="0" spid="221" grpId="2"/>
-      <p:bldP build="p" bldLvl="5" animBg="1" rev="0" advAuto="0" spid="219" grpId="1"/>
+      <p:bldP build="p" bldLvl="5" animBg="1" rev="0" advAuto="0" spid="227" grpId="1"/>
+      <p:bldP build="whole" bldLvl="1" animBg="1" rev="0" advAuto="0" spid="229" grpId="2"/>
     </p:bldLst>
   </p:timing>
 </p:sld>
 </file>
 
-<file path=ppt/slides/slide5.xml><?xml version="1.0" encoding="utf-8"?>
+<file path=ppt/slides/slide6.xml><?xml version="1.0" encoding="utf-8"?>
 <p:sld xmlns:a="http://schemas.openxmlformats.org/drawingml/2006/main" xmlns:r="http://schemas.openxmlformats.org/officeDocument/2006/relationships" xmlns:p="http://schemas.openxmlformats.org/presentationml/2006/main" xmlns:m="http://schemas.openxmlformats.org/officeDocument/2006/math" xmlns:a14="http://schemas.microsoft.com/office/drawing/2010/main" showMasterSp="1" showMasterPhAnim="1">
   <p:cSld>
     <p:spTree>
@@ -7997,7 +8485,7 @@
       </p:grpSpPr>
       <p:sp>
         <p:nvSpPr>
-          <p:cNvPr id="225" name="Double-click to edit"/>
+          <p:cNvPr id="233" name="Double-click to edit"/>
           <p:cNvSpPr txBox="1"/>
           <p:nvPr>
             <p:ph type="title"/>
@@ -8020,7 +8508,7 @@
       </p:sp>
       <p:sp>
         <p:nvSpPr>
-          <p:cNvPr id="226" name="Google Shape;119;p19"/>
+          <p:cNvPr id="234" name="Google Shape;119;p19"/>
           <p:cNvSpPr txBox="1"/>
           <p:nvPr/>
         </p:nvSpPr>
@@ -8118,7 +8606,7 @@
       </p:sp>
       <p:grpSp>
         <p:nvGrpSpPr>
-          <p:cNvPr id="229" name="Google Shape;118;p19"/>
+          <p:cNvPr id="237" name="Google Shape;118;p19"/>
           <p:cNvGrpSpPr/>
           <p:nvPr/>
         </p:nvGrpSpPr>
@@ -8132,7 +8620,7 @@
         </p:grpSpPr>
         <p:sp>
           <p:nvSpPr>
-            <p:cNvPr id="227" name="Rectangle"/>
+            <p:cNvPr id="235" name="Rectangle"/>
             <p:cNvSpPr/>
             <p:nvPr/>
           </p:nvSpPr>
@@ -8180,7 +8668,7 @@
         </p:sp>
         <p:sp>
           <p:nvSpPr>
-            <p:cNvPr id="228" name="wrapping up!…"/>
+            <p:cNvPr id="236" name="wrapping up!…"/>
             <p:cNvSpPr txBox="1"/>
             <p:nvPr/>
           </p:nvSpPr>
@@ -8256,7 +8744,7 @@
       </p:grpSp>
       <p:pic>
         <p:nvPicPr>
-          <p:cNvPr id="230" name="Image" descr="Image"/>
+          <p:cNvPr id="238" name="Image" descr="Image"/>
           <p:cNvPicPr>
             <a:picLocks noChangeAspect="1"/>
           </p:cNvPicPr>
@@ -8292,7 +8780,7 @@
 </p:sld>
 </file>
 
-<file path=ppt/slides/slide6.xml><?xml version="1.0" encoding="utf-8"?>
+<file path=ppt/slides/slide7.xml><?xml version="1.0" encoding="utf-8"?>
 <p:sld xmlns:a="http://schemas.openxmlformats.org/drawingml/2006/main" xmlns:r="http://schemas.openxmlformats.org/officeDocument/2006/relationships" xmlns:p="http://schemas.openxmlformats.org/presentationml/2006/main" xmlns:m="http://schemas.openxmlformats.org/officeDocument/2006/math" xmlns:a14="http://schemas.microsoft.com/office/drawing/2010/main" showMasterSp="1" showMasterPhAnim="1">
   <p:cSld>
     <p:spTree>
@@ -8311,7 +8799,7 @@
       </p:grpSpPr>
       <p:sp>
         <p:nvSpPr>
-          <p:cNvPr id="232" name="Double-click to edit"/>
+          <p:cNvPr id="240" name="Double-click to edit"/>
           <p:cNvSpPr txBox="1"/>
           <p:nvPr>
             <p:ph type="title"/>
@@ -8334,7 +8822,7 @@
       </p:sp>
       <p:sp>
         <p:nvSpPr>
-          <p:cNvPr id="233" name="a. Students will receive their phones at the end of 9th period and 10th period.…"/>
+          <p:cNvPr id="241" name="a. Students will receive their phones at the end of 9th period and 10th period.…"/>
           <p:cNvSpPr txBox="1"/>
           <p:nvPr/>
         </p:nvSpPr>
@@ -8400,7 +8888,7 @@
       </p:sp>
       <p:grpSp>
         <p:nvGrpSpPr>
-          <p:cNvPr id="236" name="Google Shape;118;p19"/>
+          <p:cNvPr id="244" name="Google Shape;118;p19"/>
           <p:cNvGrpSpPr/>
           <p:nvPr/>
         </p:nvGrpSpPr>
@@ -8414,7 +8902,7 @@
         </p:grpSpPr>
         <p:sp>
           <p:nvSpPr>
-            <p:cNvPr id="234" name="Rectangle"/>
+            <p:cNvPr id="242" name="Rectangle"/>
             <p:cNvSpPr/>
             <p:nvPr/>
           </p:nvSpPr>
@@ -8462,7 +8950,7 @@
         </p:sp>
         <p:sp>
           <p:nvSpPr>
-            <p:cNvPr id="235" name="Cell phone distro…"/>
+            <p:cNvPr id="243" name="Cell phone distro…"/>
             <p:cNvSpPr txBox="1"/>
             <p:nvPr/>
           </p:nvSpPr>
